--- a/CSE2010 Advanced C programming/Reference Materials/22_3_command line arguments, Environmental variables, Type qualifiers, Debugging.pptx
+++ b/CSE2010 Advanced C programming/Reference Materials/22_3_command line arguments, Environmental variables, Type qualifiers, Debugging.pptx
@@ -117,6 +117,22 @@
       </a:defRPr>
     </a:lvl9pPr>
   </p:defaultTextStyle>
+  <p:extLst>
+    <p:ext uri="{EFAFB233-063F-42B5-8137-9DF3F51BA10A}">
+      <p15:sldGuideLst xmlns:p15="http://schemas.microsoft.com/office/powerpoint/2012/main">
+        <p15:guide id="1" orient="horz" pos="2160">
+          <p15:clr>
+            <a:srgbClr val="A4A3A4"/>
+          </p15:clr>
+        </p15:guide>
+        <p15:guide id="2" pos="2880">
+          <p15:clr>
+            <a:srgbClr val="A4A3A4"/>
+          </p15:clr>
+        </p15:guide>
+      </p15:sldGuideLst>
+    </p:ext>
+  </p:extLst>
 </p:presentation>
 </file>
 
@@ -158,7 +174,7 @@
           <a:lstStyle/>
           <a:p>
             <a:r>
-              <a:rPr lang="en-US" smtClean="0"/>
+              <a:rPr lang="en-US"/>
               <a:t>Click to edit Master title style</a:t>
             </a:r>
             <a:endParaRPr lang="en-IN"/>
@@ -277,7 +293,7 @@
           </a:lstStyle>
           <a:p>
             <a:r>
-              <a:rPr lang="en-US" smtClean="0"/>
+              <a:rPr lang="en-US"/>
               <a:t>Click to edit Master subtitle style</a:t>
             </a:r>
             <a:endParaRPr lang="en-IN"/>
@@ -301,7 +317,7 @@
           <a:p>
             <a:fld id="{737C88D5-60CC-406F-A8EC-5F0BEBDF03FF}" type="datetimeFigureOut">
               <a:rPr lang="en-IN" smtClean="0"/>
-              <a:t>27-04-2021</a:t>
+              <a:t>09-06-2021</a:t>
             </a:fld>
             <a:endParaRPr lang="en-IN"/>
           </a:p>
@@ -395,7 +411,7 @@
           <a:lstStyle/>
           <a:p>
             <a:r>
-              <a:rPr lang="en-US" smtClean="0"/>
+              <a:rPr lang="en-US"/>
               <a:t>Click to edit Master title style</a:t>
             </a:r>
             <a:endParaRPr lang="en-IN"/>
@@ -419,35 +435,35 @@
           <a:p>
             <a:pPr lvl="0"/>
             <a:r>
-              <a:rPr lang="en-US" smtClean="0"/>
+              <a:rPr lang="en-US"/>
               <a:t>Click to edit Master text styles</a:t>
             </a:r>
           </a:p>
           <a:p>
             <a:pPr lvl="1"/>
             <a:r>
-              <a:rPr lang="en-US" smtClean="0"/>
+              <a:rPr lang="en-US"/>
               <a:t>Second level</a:t>
             </a:r>
           </a:p>
           <a:p>
             <a:pPr lvl="2"/>
             <a:r>
-              <a:rPr lang="en-US" smtClean="0"/>
+              <a:rPr lang="en-US"/>
               <a:t>Third level</a:t>
             </a:r>
           </a:p>
           <a:p>
             <a:pPr lvl="3"/>
             <a:r>
-              <a:rPr lang="en-US" smtClean="0"/>
+              <a:rPr lang="en-US"/>
               <a:t>Fourth level</a:t>
             </a:r>
           </a:p>
           <a:p>
             <a:pPr lvl="4"/>
             <a:r>
-              <a:rPr lang="en-US" smtClean="0"/>
+              <a:rPr lang="en-US"/>
               <a:t>Fifth level</a:t>
             </a:r>
             <a:endParaRPr lang="en-IN"/>
@@ -471,7 +487,7 @@
           <a:p>
             <a:fld id="{737C88D5-60CC-406F-A8EC-5F0BEBDF03FF}" type="datetimeFigureOut">
               <a:rPr lang="en-IN" smtClean="0"/>
-              <a:t>27-04-2021</a:t>
+              <a:t>09-06-2021</a:t>
             </a:fld>
             <a:endParaRPr lang="en-IN"/>
           </a:p>
@@ -570,7 +586,7 @@
           <a:lstStyle/>
           <a:p>
             <a:r>
-              <a:rPr lang="en-US" smtClean="0"/>
+              <a:rPr lang="en-US"/>
               <a:t>Click to edit Master title style</a:t>
             </a:r>
             <a:endParaRPr lang="en-IN"/>
@@ -599,35 +615,35 @@
           <a:p>
             <a:pPr lvl="0"/>
             <a:r>
-              <a:rPr lang="en-US" smtClean="0"/>
+              <a:rPr lang="en-US"/>
               <a:t>Click to edit Master text styles</a:t>
             </a:r>
           </a:p>
           <a:p>
             <a:pPr lvl="1"/>
             <a:r>
-              <a:rPr lang="en-US" smtClean="0"/>
+              <a:rPr lang="en-US"/>
               <a:t>Second level</a:t>
             </a:r>
           </a:p>
           <a:p>
             <a:pPr lvl="2"/>
             <a:r>
-              <a:rPr lang="en-US" smtClean="0"/>
+              <a:rPr lang="en-US"/>
               <a:t>Third level</a:t>
             </a:r>
           </a:p>
           <a:p>
             <a:pPr lvl="3"/>
             <a:r>
-              <a:rPr lang="en-US" smtClean="0"/>
+              <a:rPr lang="en-US"/>
               <a:t>Fourth level</a:t>
             </a:r>
           </a:p>
           <a:p>
             <a:pPr lvl="4"/>
             <a:r>
-              <a:rPr lang="en-US" smtClean="0"/>
+              <a:rPr lang="en-US"/>
               <a:t>Fifth level</a:t>
             </a:r>
             <a:endParaRPr lang="en-IN"/>
@@ -651,7 +667,7 @@
           <a:p>
             <a:fld id="{737C88D5-60CC-406F-A8EC-5F0BEBDF03FF}" type="datetimeFigureOut">
               <a:rPr lang="en-IN" smtClean="0"/>
-              <a:t>27-04-2021</a:t>
+              <a:t>09-06-2021</a:t>
             </a:fld>
             <a:endParaRPr lang="en-IN"/>
           </a:p>
@@ -745,7 +761,7 @@
           <a:lstStyle/>
           <a:p>
             <a:r>
-              <a:rPr lang="en-US" smtClean="0"/>
+              <a:rPr lang="en-US"/>
               <a:t>Click to edit Master title style</a:t>
             </a:r>
             <a:endParaRPr lang="en-IN"/>
@@ -769,35 +785,35 @@
           <a:p>
             <a:pPr lvl="0"/>
             <a:r>
-              <a:rPr lang="en-US" smtClean="0"/>
+              <a:rPr lang="en-US"/>
               <a:t>Click to edit Master text styles</a:t>
             </a:r>
           </a:p>
           <a:p>
             <a:pPr lvl="1"/>
             <a:r>
-              <a:rPr lang="en-US" smtClean="0"/>
+              <a:rPr lang="en-US"/>
               <a:t>Second level</a:t>
             </a:r>
           </a:p>
           <a:p>
             <a:pPr lvl="2"/>
             <a:r>
-              <a:rPr lang="en-US" smtClean="0"/>
+              <a:rPr lang="en-US"/>
               <a:t>Third level</a:t>
             </a:r>
           </a:p>
           <a:p>
             <a:pPr lvl="3"/>
             <a:r>
-              <a:rPr lang="en-US" smtClean="0"/>
+              <a:rPr lang="en-US"/>
               <a:t>Fourth level</a:t>
             </a:r>
           </a:p>
           <a:p>
             <a:pPr lvl="4"/>
             <a:r>
-              <a:rPr lang="en-US" smtClean="0"/>
+              <a:rPr lang="en-US"/>
               <a:t>Fifth level</a:t>
             </a:r>
             <a:endParaRPr lang="en-IN"/>
@@ -821,7 +837,7 @@
           <a:p>
             <a:fld id="{737C88D5-60CC-406F-A8EC-5F0BEBDF03FF}" type="datetimeFigureOut">
               <a:rPr lang="en-IN" smtClean="0"/>
-              <a:t>27-04-2021</a:t>
+              <a:t>09-06-2021</a:t>
             </a:fld>
             <a:endParaRPr lang="en-IN"/>
           </a:p>
@@ -924,7 +940,7 @@
           </a:lstStyle>
           <a:p>
             <a:r>
-              <a:rPr lang="en-US" smtClean="0"/>
+              <a:rPr lang="en-US"/>
               <a:t>Click to edit Master title style</a:t>
             </a:r>
             <a:endParaRPr lang="en-IN"/>
@@ -1044,7 +1060,7 @@
           <a:p>
             <a:pPr lvl="0"/>
             <a:r>
-              <a:rPr lang="en-US" smtClean="0"/>
+              <a:rPr lang="en-US"/>
               <a:t>Click to edit Master text styles</a:t>
             </a:r>
           </a:p>
@@ -1067,7 +1083,7 @@
           <a:p>
             <a:fld id="{737C88D5-60CC-406F-A8EC-5F0BEBDF03FF}" type="datetimeFigureOut">
               <a:rPr lang="en-IN" smtClean="0"/>
-              <a:t>27-04-2021</a:t>
+              <a:t>09-06-2021</a:t>
             </a:fld>
             <a:endParaRPr lang="en-IN"/>
           </a:p>
@@ -1161,7 +1177,7 @@
           <a:lstStyle/>
           <a:p>
             <a:r>
-              <a:rPr lang="en-US" smtClean="0"/>
+              <a:rPr lang="en-US"/>
               <a:t>Click to edit Master title style</a:t>
             </a:r>
             <a:endParaRPr lang="en-IN"/>
@@ -1218,35 +1234,35 @@
           <a:p>
             <a:pPr lvl="0"/>
             <a:r>
-              <a:rPr lang="en-US" smtClean="0"/>
+              <a:rPr lang="en-US"/>
               <a:t>Click to edit Master text styles</a:t>
             </a:r>
           </a:p>
           <a:p>
             <a:pPr lvl="1"/>
             <a:r>
-              <a:rPr lang="en-US" smtClean="0"/>
+              <a:rPr lang="en-US"/>
               <a:t>Second level</a:t>
             </a:r>
           </a:p>
           <a:p>
             <a:pPr lvl="2"/>
             <a:r>
-              <a:rPr lang="en-US" smtClean="0"/>
+              <a:rPr lang="en-US"/>
               <a:t>Third level</a:t>
             </a:r>
           </a:p>
           <a:p>
             <a:pPr lvl="3"/>
             <a:r>
-              <a:rPr lang="en-US" smtClean="0"/>
+              <a:rPr lang="en-US"/>
               <a:t>Fourth level</a:t>
             </a:r>
           </a:p>
           <a:p>
             <a:pPr lvl="4"/>
             <a:r>
-              <a:rPr lang="en-US" smtClean="0"/>
+              <a:rPr lang="en-US"/>
               <a:t>Fifth level</a:t>
             </a:r>
             <a:endParaRPr lang="en-IN"/>
@@ -1303,35 +1319,35 @@
           <a:p>
             <a:pPr lvl="0"/>
             <a:r>
-              <a:rPr lang="en-US" smtClean="0"/>
+              <a:rPr lang="en-US"/>
               <a:t>Click to edit Master text styles</a:t>
             </a:r>
           </a:p>
           <a:p>
             <a:pPr lvl="1"/>
             <a:r>
-              <a:rPr lang="en-US" smtClean="0"/>
+              <a:rPr lang="en-US"/>
               <a:t>Second level</a:t>
             </a:r>
           </a:p>
           <a:p>
             <a:pPr lvl="2"/>
             <a:r>
-              <a:rPr lang="en-US" smtClean="0"/>
+              <a:rPr lang="en-US"/>
               <a:t>Third level</a:t>
             </a:r>
           </a:p>
           <a:p>
             <a:pPr lvl="3"/>
             <a:r>
-              <a:rPr lang="en-US" smtClean="0"/>
+              <a:rPr lang="en-US"/>
               <a:t>Fourth level</a:t>
             </a:r>
           </a:p>
           <a:p>
             <a:pPr lvl="4"/>
             <a:r>
-              <a:rPr lang="en-US" smtClean="0"/>
+              <a:rPr lang="en-US"/>
               <a:t>Fifth level</a:t>
             </a:r>
             <a:endParaRPr lang="en-IN"/>
@@ -1355,7 +1371,7 @@
           <a:p>
             <a:fld id="{737C88D5-60CC-406F-A8EC-5F0BEBDF03FF}" type="datetimeFigureOut">
               <a:rPr lang="en-IN" smtClean="0"/>
-              <a:t>27-04-2021</a:t>
+              <a:t>09-06-2021</a:t>
             </a:fld>
             <a:endParaRPr lang="en-IN"/>
           </a:p>
@@ -1453,7 +1469,7 @@
           </a:lstStyle>
           <a:p>
             <a:r>
-              <a:rPr lang="en-US" smtClean="0"/>
+              <a:rPr lang="en-US"/>
               <a:t>Click to edit Master title style</a:t>
             </a:r>
             <a:endParaRPr lang="en-IN"/>
@@ -1519,7 +1535,7 @@
           <a:p>
             <a:pPr lvl="0"/>
             <a:r>
-              <a:rPr lang="en-US" smtClean="0"/>
+              <a:rPr lang="en-US"/>
               <a:t>Click to edit Master text styles</a:t>
             </a:r>
           </a:p>
@@ -1575,35 +1591,35 @@
           <a:p>
             <a:pPr lvl="0"/>
             <a:r>
-              <a:rPr lang="en-US" smtClean="0"/>
+              <a:rPr lang="en-US"/>
               <a:t>Click to edit Master text styles</a:t>
             </a:r>
           </a:p>
           <a:p>
             <a:pPr lvl="1"/>
             <a:r>
-              <a:rPr lang="en-US" smtClean="0"/>
+              <a:rPr lang="en-US"/>
               <a:t>Second level</a:t>
             </a:r>
           </a:p>
           <a:p>
             <a:pPr lvl="2"/>
             <a:r>
-              <a:rPr lang="en-US" smtClean="0"/>
+              <a:rPr lang="en-US"/>
               <a:t>Third level</a:t>
             </a:r>
           </a:p>
           <a:p>
             <a:pPr lvl="3"/>
             <a:r>
-              <a:rPr lang="en-US" smtClean="0"/>
+              <a:rPr lang="en-US"/>
               <a:t>Fourth level</a:t>
             </a:r>
           </a:p>
           <a:p>
             <a:pPr lvl="4"/>
             <a:r>
-              <a:rPr lang="en-US" smtClean="0"/>
+              <a:rPr lang="en-US"/>
               <a:t>Fifth level</a:t>
             </a:r>
             <a:endParaRPr lang="en-IN"/>
@@ -1669,7 +1685,7 @@
           <a:p>
             <a:pPr lvl="0"/>
             <a:r>
-              <a:rPr lang="en-US" smtClean="0"/>
+              <a:rPr lang="en-US"/>
               <a:t>Click to edit Master text styles</a:t>
             </a:r>
           </a:p>
@@ -1725,35 +1741,35 @@
           <a:p>
             <a:pPr lvl="0"/>
             <a:r>
-              <a:rPr lang="en-US" smtClean="0"/>
+              <a:rPr lang="en-US"/>
               <a:t>Click to edit Master text styles</a:t>
             </a:r>
           </a:p>
           <a:p>
             <a:pPr lvl="1"/>
             <a:r>
-              <a:rPr lang="en-US" smtClean="0"/>
+              <a:rPr lang="en-US"/>
               <a:t>Second level</a:t>
             </a:r>
           </a:p>
           <a:p>
             <a:pPr lvl="2"/>
             <a:r>
-              <a:rPr lang="en-US" smtClean="0"/>
+              <a:rPr lang="en-US"/>
               <a:t>Third level</a:t>
             </a:r>
           </a:p>
           <a:p>
             <a:pPr lvl="3"/>
             <a:r>
-              <a:rPr lang="en-US" smtClean="0"/>
+              <a:rPr lang="en-US"/>
               <a:t>Fourth level</a:t>
             </a:r>
           </a:p>
           <a:p>
             <a:pPr lvl="4"/>
             <a:r>
-              <a:rPr lang="en-US" smtClean="0"/>
+              <a:rPr lang="en-US"/>
               <a:t>Fifth level</a:t>
             </a:r>
             <a:endParaRPr lang="en-IN"/>
@@ -1777,7 +1793,7 @@
           <a:p>
             <a:fld id="{737C88D5-60CC-406F-A8EC-5F0BEBDF03FF}" type="datetimeFigureOut">
               <a:rPr lang="en-IN" smtClean="0"/>
-              <a:t>27-04-2021</a:t>
+              <a:t>09-06-2021</a:t>
             </a:fld>
             <a:endParaRPr lang="en-IN"/>
           </a:p>
@@ -1871,7 +1887,7 @@
           <a:lstStyle/>
           <a:p>
             <a:r>
-              <a:rPr lang="en-US" smtClean="0"/>
+              <a:rPr lang="en-US"/>
               <a:t>Click to edit Master title style</a:t>
             </a:r>
             <a:endParaRPr lang="en-IN"/>
@@ -1895,7 +1911,7 @@
           <a:p>
             <a:fld id="{737C88D5-60CC-406F-A8EC-5F0BEBDF03FF}" type="datetimeFigureOut">
               <a:rPr lang="en-IN" smtClean="0"/>
-              <a:t>27-04-2021</a:t>
+              <a:t>09-06-2021</a:t>
             </a:fld>
             <a:endParaRPr lang="en-IN"/>
           </a:p>
@@ -1990,7 +2006,7 @@
           <a:p>
             <a:fld id="{737C88D5-60CC-406F-A8EC-5F0BEBDF03FF}" type="datetimeFigureOut">
               <a:rPr lang="en-IN" smtClean="0"/>
-              <a:t>27-04-2021</a:t>
+              <a:t>09-06-2021</a:t>
             </a:fld>
             <a:endParaRPr lang="en-IN"/>
           </a:p>
@@ -2093,7 +2109,7 @@
           </a:lstStyle>
           <a:p>
             <a:r>
-              <a:rPr lang="en-US" smtClean="0"/>
+              <a:rPr lang="en-US"/>
               <a:t>Click to edit Master title style</a:t>
             </a:r>
             <a:endParaRPr lang="en-IN"/>
@@ -2150,35 +2166,35 @@
           <a:p>
             <a:pPr lvl="0"/>
             <a:r>
-              <a:rPr lang="en-US" smtClean="0"/>
+              <a:rPr lang="en-US"/>
               <a:t>Click to edit Master text styles</a:t>
             </a:r>
           </a:p>
           <a:p>
             <a:pPr lvl="1"/>
             <a:r>
-              <a:rPr lang="en-US" smtClean="0"/>
+              <a:rPr lang="en-US"/>
               <a:t>Second level</a:t>
             </a:r>
           </a:p>
           <a:p>
             <a:pPr lvl="2"/>
             <a:r>
-              <a:rPr lang="en-US" smtClean="0"/>
+              <a:rPr lang="en-US"/>
               <a:t>Third level</a:t>
             </a:r>
           </a:p>
           <a:p>
             <a:pPr lvl="3"/>
             <a:r>
-              <a:rPr lang="en-US" smtClean="0"/>
+              <a:rPr lang="en-US"/>
               <a:t>Fourth level</a:t>
             </a:r>
           </a:p>
           <a:p>
             <a:pPr lvl="4"/>
             <a:r>
-              <a:rPr lang="en-US" smtClean="0"/>
+              <a:rPr lang="en-US"/>
               <a:t>Fifth level</a:t>
             </a:r>
             <a:endParaRPr lang="en-IN"/>
@@ -2244,7 +2260,7 @@
           <a:p>
             <a:pPr lvl="0"/>
             <a:r>
-              <a:rPr lang="en-US" smtClean="0"/>
+              <a:rPr lang="en-US"/>
               <a:t>Click to edit Master text styles</a:t>
             </a:r>
           </a:p>
@@ -2267,7 +2283,7 @@
           <a:p>
             <a:fld id="{737C88D5-60CC-406F-A8EC-5F0BEBDF03FF}" type="datetimeFigureOut">
               <a:rPr lang="en-IN" smtClean="0"/>
-              <a:t>27-04-2021</a:t>
+              <a:t>09-06-2021</a:t>
             </a:fld>
             <a:endParaRPr lang="en-IN"/>
           </a:p>
@@ -2370,7 +2386,7 @@
           </a:lstStyle>
           <a:p>
             <a:r>
-              <a:rPr lang="en-US" smtClean="0"/>
+              <a:rPr lang="en-US"/>
               <a:t>Click to edit Master title style</a:t>
             </a:r>
             <a:endParaRPr lang="en-IN"/>
@@ -2497,7 +2513,7 @@
           <a:p>
             <a:pPr lvl="0"/>
             <a:r>
-              <a:rPr lang="en-US" smtClean="0"/>
+              <a:rPr lang="en-US"/>
               <a:t>Click to edit Master text styles</a:t>
             </a:r>
           </a:p>
@@ -2520,7 +2536,7 @@
           <a:p>
             <a:fld id="{737C88D5-60CC-406F-A8EC-5F0BEBDF03FF}" type="datetimeFigureOut">
               <a:rPr lang="en-IN" smtClean="0"/>
-              <a:t>27-04-2021</a:t>
+              <a:t>09-06-2021</a:t>
             </a:fld>
             <a:endParaRPr lang="en-IN"/>
           </a:p>
@@ -2629,7 +2645,7 @@
           <a:lstStyle/>
           <a:p>
             <a:r>
-              <a:rPr lang="en-US" smtClean="0"/>
+              <a:rPr lang="en-US"/>
               <a:t>Click to edit Master title style</a:t>
             </a:r>
             <a:endParaRPr lang="en-IN"/>
@@ -2663,35 +2679,35 @@
           <a:p>
             <a:pPr lvl="0"/>
             <a:r>
-              <a:rPr lang="en-US" smtClean="0"/>
+              <a:rPr lang="en-US"/>
               <a:t>Click to edit Master text styles</a:t>
             </a:r>
           </a:p>
           <a:p>
             <a:pPr lvl="1"/>
             <a:r>
-              <a:rPr lang="en-US" smtClean="0"/>
+              <a:rPr lang="en-US"/>
               <a:t>Second level</a:t>
             </a:r>
           </a:p>
           <a:p>
             <a:pPr lvl="2"/>
             <a:r>
-              <a:rPr lang="en-US" smtClean="0"/>
+              <a:rPr lang="en-US"/>
               <a:t>Third level</a:t>
             </a:r>
           </a:p>
           <a:p>
             <a:pPr lvl="3"/>
             <a:r>
-              <a:rPr lang="en-US" smtClean="0"/>
+              <a:rPr lang="en-US"/>
               <a:t>Fourth level</a:t>
             </a:r>
           </a:p>
           <a:p>
             <a:pPr lvl="4"/>
             <a:r>
-              <a:rPr lang="en-US" smtClean="0"/>
+              <a:rPr lang="en-US"/>
               <a:t>Fifth level</a:t>
             </a:r>
             <a:endParaRPr lang="en-IN"/>
@@ -2733,7 +2749,7 @@
           <a:p>
             <a:fld id="{737C88D5-60CC-406F-A8EC-5F0BEBDF03FF}" type="datetimeFigureOut">
               <a:rPr lang="en-IN" smtClean="0"/>
-              <a:t>27-04-2021</a:t>
+              <a:t>09-06-2021</a:t>
             </a:fld>
             <a:endParaRPr lang="en-IN"/>
           </a:p>
@@ -3147,7 +3163,7 @@
           <a:lstStyle/>
           <a:p>
             <a:r>
-              <a:rPr lang="en-US" dirty="0" smtClean="0"/>
+              <a:rPr lang="en-US" dirty="0"/>
               <a:t>All really good programmers are good debuggers.</a:t>
             </a:r>
             <a:endParaRPr lang="en-IN" dirty="0"/>
@@ -3200,10 +3216,9 @@
           <a:lstStyle/>
           <a:p>
             <a:r>
-              <a:rPr lang="en-IN" dirty="0" smtClean="0"/>
+              <a:rPr lang="en-IN" dirty="0"/>
               <a:t>One-Off Errors</a:t>
             </a:r>
-            <a:endParaRPr lang="en-IN" dirty="0"/>
           </a:p>
         </p:txBody>
       </p:sp>
@@ -3285,7 +3300,7 @@
           <a:lstStyle/>
           <a:p>
             <a:r>
-              <a:rPr lang="en-US" sz="2400" dirty="0" smtClean="0"/>
+              <a:rPr lang="en-US" sz="2400" dirty="0"/>
               <a:t>in C all array indexes start at 0</a:t>
             </a:r>
             <a:endParaRPr lang="en-IN" sz="2400" dirty="0"/>
@@ -3416,10 +3431,9 @@
           <a:lstStyle/>
           <a:p>
             <a:r>
-              <a:rPr lang="en-IN" dirty="0" smtClean="0"/>
+              <a:rPr lang="en-IN" dirty="0"/>
               <a:t>Function Prototype Omissions</a:t>
             </a:r>
-            <a:endParaRPr lang="en-IN" dirty="0"/>
           </a:p>
         </p:txBody>
       </p:sp>
@@ -3681,10 +3695,9 @@
           <a:lstStyle/>
           <a:p>
             <a:r>
-              <a:rPr lang="en-IN" dirty="0" smtClean="0"/>
+              <a:rPr lang="en-IN" dirty="0"/>
               <a:t>Argument Errors</a:t>
             </a:r>
-            <a:endParaRPr lang="en-IN" dirty="0"/>
           </a:p>
         </p:txBody>
       </p:sp>
@@ -3767,7 +3780,7 @@
           <a:p>
             <a:pPr algn="just"/>
             <a:r>
-              <a:rPr lang="en-US" sz="2400" dirty="0" smtClean="0"/>
+              <a:rPr lang="en-US" sz="2400" dirty="0"/>
               <a:t>You must be sure to match whatever type of argument a function expects with the type you give it. While function prototypes catch many argument/parameter type mismatches, they can't catch all.</a:t>
             </a:r>
             <a:endParaRPr lang="en-IN" sz="2400" dirty="0"/>
@@ -3784,13 +3797,6 @@
   <p:clrMapOvr>
     <a:masterClrMapping/>
   </p:clrMapOvr>
-  <p:timing>
-    <p:tnLst>
-      <p:par>
-        <p:cTn id="1" dur="indefinite" restart="never" nodeType="tmRoot"/>
-      </p:par>
-    </p:tnLst>
-  </p:timing>
 </p:sld>
 </file>
 
@@ -3827,10 +3833,9 @@
           <a:lstStyle/>
           <a:p>
             <a:r>
-              <a:rPr lang="en-IN" dirty="0" smtClean="0"/>
+              <a:rPr lang="en-IN" dirty="0"/>
               <a:t>Stack Overruns</a:t>
             </a:r>
-            <a:endParaRPr lang="en-IN" dirty="0"/>
           </a:p>
         </p:txBody>
       </p:sp>
@@ -3850,17 +3855,16 @@
           <a:lstStyle/>
           <a:p>
             <a:r>
-              <a:rPr lang="en-US" dirty="0" smtClean="0"/>
+              <a:rPr lang="en-US" dirty="0"/>
               <a:t>All C compilers use the stack to store local variables, return addresses, and parameters passed to functions. However, the stack is not infinite and it can be exhausted. This results in a stack overrun. </a:t>
             </a:r>
           </a:p>
           <a:p>
             <a:pPr lvl="1"/>
             <a:r>
-              <a:rPr lang="en-IN" dirty="0" smtClean="0"/>
+              <a:rPr lang="en-IN" dirty="0"/>
               <a:t>runaway recursive functions</a:t>
             </a:r>
-            <a:endParaRPr lang="en-IN" dirty="0"/>
           </a:p>
         </p:txBody>
       </p:sp>
@@ -3874,13 +3878,6 @@
   <p:clrMapOvr>
     <a:masterClrMapping/>
   </p:clrMapOvr>
-  <p:timing>
-    <p:tnLst>
-      <p:par>
-        <p:cTn id="1" dur="indefinite" restart="never" nodeType="tmRoot"/>
-      </p:par>
-    </p:tnLst>
-  </p:timing>
 </p:sld>
 </file>
 
@@ -3917,10 +3914,9 @@
           <a:lstStyle/>
           <a:p>
             <a:r>
-              <a:rPr lang="en-IN" dirty="0" smtClean="0"/>
+              <a:rPr lang="en-IN" dirty="0"/>
               <a:t>Using a Debugger</a:t>
             </a:r>
-            <a:endParaRPr lang="en-IN" dirty="0"/>
           </a:p>
         </p:txBody>
       </p:sp>
@@ -3943,35 +3939,35 @@
           <a:p>
             <a:pPr algn="just"/>
             <a:r>
-              <a:rPr lang="en-US" dirty="0" smtClean="0"/>
+              <a:rPr lang="en-US" dirty="0"/>
               <a:t>Many compilers provide a debugger, which is a program that helps you debug your code.</a:t>
             </a:r>
           </a:p>
           <a:p>
             <a:pPr algn="just"/>
             <a:r>
-              <a:rPr lang="en-US" dirty="0" smtClean="0"/>
+              <a:rPr lang="en-US" dirty="0"/>
               <a:t>In general, debuggers work by allowing you to execute your code step by step, set breakpoints, and inspect the contents of variables.</a:t>
             </a:r>
           </a:p>
           <a:p>
             <a:pPr algn="just"/>
             <a:r>
-              <a:rPr lang="en-US" dirty="0" smtClean="0"/>
+              <a:rPr lang="en-US" dirty="0"/>
               <a:t>Modern debuggers, such as that provided by Visual C++, are truly wonderful tools that can help find problems in your code. </a:t>
             </a:r>
           </a:p>
           <a:p>
             <a:pPr algn="just"/>
             <a:r>
-              <a:rPr lang="en-US" dirty="0" smtClean="0"/>
+              <a:rPr lang="en-US" dirty="0"/>
               <a:t>A good debugger is worth the time and effort it takes to learn to use it effectively. </a:t>
             </a:r>
           </a:p>
           <a:p>
             <a:pPr algn="just"/>
             <a:r>
-              <a:rPr lang="en-US" b="1" dirty="0" smtClean="0">
+              <a:rPr lang="en-US" b="1" dirty="0">
                 <a:solidFill>
                   <a:srgbClr val="FF0000"/>
                 </a:solidFill>
@@ -3996,13 +3992,6 @@
   <p:clrMapOvr>
     <a:masterClrMapping/>
   </p:clrMapOvr>
-  <p:timing>
-    <p:tnLst>
-      <p:par>
-        <p:cTn id="1" dur="indefinite" restart="never" nodeType="tmRoot"/>
-      </p:par>
-    </p:tnLst>
-  </p:timing>
 </p:sld>
 </file>
 
@@ -4039,10 +4028,9 @@
           <a:lstStyle/>
           <a:p>
             <a:r>
-              <a:rPr lang="en-IN" dirty="0" smtClean="0"/>
+              <a:rPr lang="en-IN" dirty="0"/>
               <a:t>Order-of-Evaluation Errors</a:t>
             </a:r>
-            <a:endParaRPr lang="en-IN" dirty="0"/>
           </a:p>
         </p:txBody>
       </p:sp>
@@ -4233,7 +4221,7 @@
           <a:p>
             <a:pPr algn="just"/>
             <a:r>
-              <a:rPr lang="en-US" sz="2800" dirty="0" smtClean="0"/>
+              <a:rPr lang="en-US" sz="2800" dirty="0"/>
               <a:t>The increment and decrement operators are used in most C programs, and the order in which the operations take place is affected by whether these operators precede or follow the variable</a:t>
             </a:r>
             <a:endParaRPr lang="en-IN" sz="2800" dirty="0"/>
@@ -4286,10 +4274,9 @@
           <a:lstStyle/>
           <a:p>
             <a:r>
-              <a:rPr lang="en-IN" dirty="0" smtClean="0"/>
+              <a:rPr lang="en-IN" dirty="0"/>
               <a:t>Pointer Problems </a:t>
             </a:r>
-            <a:endParaRPr lang="en-IN" dirty="0"/>
           </a:p>
         </p:txBody>
       </p:sp>
@@ -4309,27 +4296,27 @@
           <a:lstStyle/>
           <a:p>
             <a:r>
-              <a:rPr lang="en-US" dirty="0" smtClean="0"/>
+              <a:rPr lang="en-US" dirty="0"/>
               <a:t>A very common error in C programs is the misuse of pointers.</a:t>
             </a:r>
           </a:p>
           <a:p>
             <a:r>
-              <a:rPr lang="en-US" dirty="0" smtClean="0"/>
+              <a:rPr lang="en-US" dirty="0"/>
               <a:t>Pointer problems fall into two general categories: </a:t>
             </a:r>
           </a:p>
           <a:p>
             <a:pPr lvl="1"/>
             <a:r>
-              <a:rPr lang="en-US" dirty="0" smtClean="0"/>
+              <a:rPr lang="en-US" dirty="0"/>
               <a:t>misunderstanding indirection and the pointer operators,</a:t>
             </a:r>
           </a:p>
           <a:p>
             <a:pPr lvl="1"/>
             <a:r>
-              <a:rPr lang="en-US" dirty="0" smtClean="0"/>
+              <a:rPr lang="en-US" dirty="0"/>
               <a:t> and accidentally using invalid or uninitialized pointers.</a:t>
             </a:r>
             <a:endParaRPr lang="en-IN" dirty="0"/>
@@ -4346,13 +4333,6 @@
   <p:clrMapOvr>
     <a:masterClrMapping/>
   </p:clrMapOvr>
-  <p:timing>
-    <p:tnLst>
-      <p:par>
-        <p:cTn id="1" dur="indefinite" restart="never" nodeType="tmRoot"/>
-      </p:par>
-    </p:tnLst>
-  </p:timing>
 </p:sld>
 </file>
 
@@ -4389,10 +4369,9 @@
           <a:lstStyle/>
           <a:p>
             <a:r>
-              <a:rPr lang="en-IN" dirty="0" smtClean="0"/>
+              <a:rPr lang="en-IN" dirty="0"/>
               <a:t>Pointer Problems </a:t>
             </a:r>
-            <a:endParaRPr lang="en-IN" dirty="0"/>
           </a:p>
         </p:txBody>
       </p:sp>
@@ -4627,10 +4606,9 @@
           <a:lstStyle/>
           <a:p>
             <a:r>
-              <a:rPr lang="en-IN" dirty="0" smtClean="0"/>
+              <a:rPr lang="en-IN" dirty="0"/>
               <a:t>Pointer Problems </a:t>
             </a:r>
-            <a:endParaRPr lang="en-IN" dirty="0"/>
           </a:p>
         </p:txBody>
       </p:sp>
@@ -4657,23 +4635,23 @@
           <a:lstStyle/>
           <a:p>
             <a:r>
-              <a:rPr lang="en-US" sz="2800" dirty="0" smtClean="0"/>
+              <a:rPr lang="en-US" sz="2800" dirty="0"/>
               <a:t>There is no runtime check on the address returned by </a:t>
             </a:r>
             <a:r>
-              <a:rPr lang="en-US" sz="2800" dirty="0" err="1" smtClean="0"/>
+              <a:rPr lang="en-US" sz="2800" dirty="0" err="1"/>
               <a:t>malloc</a:t>
             </a:r>
             <a:r>
-              <a:rPr lang="en-US" sz="2800" dirty="0" smtClean="0"/>
+              <a:rPr lang="en-US" sz="2800" dirty="0"/>
               <a:t>( ). Remember, if memory is exhausted, </a:t>
             </a:r>
             <a:r>
-              <a:rPr lang="en-US" sz="2800" dirty="0" err="1" smtClean="0"/>
+              <a:rPr lang="en-US" sz="2800" dirty="0" err="1"/>
               <a:t>malloc</a:t>
             </a:r>
             <a:r>
-              <a:rPr lang="en-US" sz="2800" dirty="0" smtClean="0"/>
+              <a:rPr lang="en-US" sz="2800" dirty="0"/>
               <a:t>( ) returns NULL</a:t>
             </a:r>
             <a:endParaRPr lang="en-IN" sz="2800" dirty="0"/>
@@ -4744,13 +4722,6 @@
   <p:clrMapOvr>
     <a:masterClrMapping/>
   </p:clrMapOvr>
-  <p:timing>
-    <p:tnLst>
-      <p:par>
-        <p:cTn id="1" dur="indefinite" restart="never" nodeType="tmRoot"/>
-      </p:par>
-    </p:tnLst>
-  </p:timing>
 </p:sld>
 </file>
 
@@ -4787,10 +4758,9 @@
           <a:lstStyle/>
           <a:p>
             <a:r>
-              <a:rPr lang="en-IN" dirty="0" smtClean="0"/>
+              <a:rPr lang="en-IN" dirty="0"/>
               <a:t>Pointer Problems </a:t>
             </a:r>
-            <a:endParaRPr lang="en-IN" dirty="0"/>
           </a:p>
         </p:txBody>
       </p:sp>
@@ -4872,7 +4842,7 @@
           <a:lstStyle/>
           <a:p>
             <a:r>
-              <a:rPr lang="en-US" sz="2800" dirty="0" smtClean="0"/>
+              <a:rPr lang="en-US" sz="2800" dirty="0"/>
               <a:t>x has not been initialized to point to anything</a:t>
             </a:r>
             <a:endParaRPr lang="en-IN" sz="2800" dirty="0"/>
@@ -5003,10 +4973,9 @@
           <a:lstStyle/>
           <a:p>
             <a:r>
-              <a:rPr lang="en-IN" dirty="0" smtClean="0"/>
+              <a:rPr lang="en-IN" dirty="0"/>
               <a:t>Interpreting Syntax Errors </a:t>
             </a:r>
-            <a:endParaRPr lang="en-IN" dirty="0"/>
           </a:p>
         </p:txBody>
       </p:sp>
@@ -5028,7 +4997,7 @@
           <a:lstStyle/>
           <a:p>
             <a:r>
-              <a:rPr lang="en-US" sz="2400" dirty="0" smtClean="0"/>
+              <a:rPr lang="en-US" sz="2400" dirty="0"/>
               <a:t>Once in a while you will see a syntax error that does not make sense</a:t>
             </a:r>
             <a:endParaRPr lang="en-IN" sz="2400" dirty="0"/>
@@ -5099,13 +5068,6 @@
   <p:clrMapOvr>
     <a:masterClrMapping/>
   </p:clrMapOvr>
-  <p:timing>
-    <p:tnLst>
-      <p:par>
-        <p:cTn id="1" dur="indefinite" restart="never" nodeType="tmRoot"/>
-      </p:par>
-    </p:tnLst>
-  </p:timing>
 </p:sld>
 </file>
 
@@ -5142,10 +5104,9 @@
           <a:lstStyle/>
           <a:p>
             <a:r>
-              <a:rPr lang="en-IN" dirty="0" smtClean="0"/>
+              <a:rPr lang="en-IN" dirty="0"/>
               <a:t>Interpreting Syntax Errors </a:t>
             </a:r>
-            <a:endParaRPr lang="en-IN" dirty="0"/>
           </a:p>
         </p:txBody>
       </p:sp>
@@ -5281,17 +5242,16 @@
           <a:lstStyle/>
           <a:p>
             <a:r>
-              <a:rPr lang="en-US" sz="2800" dirty="0" smtClean="0"/>
+              <a:rPr lang="en-US" sz="2800" dirty="0"/>
               <a:t>Compiler error:</a:t>
             </a:r>
-            <a:endParaRPr lang="en-IN" sz="2800" dirty="0" smtClean="0"/>
-          </a:p>
-          <a:p>
-            <a:r>
-              <a:rPr lang="en-IN" sz="2800" dirty="0" smtClean="0"/>
+            <a:endParaRPr lang="en-IN" sz="2800" dirty="0"/>
+          </a:p>
+          <a:p>
+            <a:r>
+              <a:rPr lang="en-IN" sz="2800" dirty="0"/>
               <a:t>bad declaration syntax</a:t>
             </a:r>
-            <a:endParaRPr lang="en-IN" sz="2800" dirty="0"/>
           </a:p>
         </p:txBody>
       </p:sp>
@@ -5305,13 +5265,6 @@
   <p:clrMapOvr>
     <a:masterClrMapping/>
   </p:clrMapOvr>
-  <p:timing>
-    <p:tnLst>
-      <p:par>
-        <p:cTn id="1" dur="indefinite" restart="never" nodeType="tmRoot"/>
-      </p:par>
-    </p:tnLst>
-  </p:timing>
 </p:sld>
 </file>
 
@@ -5348,10 +5301,9 @@
           <a:lstStyle/>
           <a:p>
             <a:r>
-              <a:rPr lang="en-IN" dirty="0" smtClean="0"/>
+              <a:rPr lang="en-IN" dirty="0"/>
               <a:t>Boundary Errors</a:t>
             </a:r>
-            <a:endParaRPr lang="en-IN" dirty="0"/>
           </a:p>
         </p:txBody>
       </p:sp>
@@ -5504,23 +5456,23 @@
           <a:lstStyle/>
           <a:p>
             <a:r>
-              <a:rPr lang="en-US" sz="2400" dirty="0" smtClean="0"/>
+              <a:rPr lang="en-US" sz="2400" dirty="0"/>
               <a:t>The </a:t>
             </a:r>
             <a:r>
-              <a:rPr lang="en-US" sz="2400" dirty="0" err="1" smtClean="0"/>
+              <a:rPr lang="en-US" sz="2400" dirty="0" err="1"/>
               <a:t>fgets</a:t>
             </a:r>
             <a:r>
-              <a:rPr lang="en-US" sz="2400" dirty="0" smtClean="0"/>
+              <a:rPr lang="en-US" sz="2400" dirty="0"/>
               <a:t>( ) function lets you specify the maximum number of characters to read. The only trouble is that </a:t>
             </a:r>
             <a:r>
-              <a:rPr lang="en-US" sz="2400" dirty="0" err="1" smtClean="0"/>
+              <a:rPr lang="en-US" sz="2400" dirty="0" err="1"/>
               <a:t>fgets</a:t>
             </a:r>
             <a:r>
-              <a:rPr lang="en-US" sz="2400" dirty="0" smtClean="0"/>
+              <a:rPr lang="en-US" sz="2400" dirty="0"/>
               <a:t>( ) also reads and stores the newline character, so you will need to strip that off in most applications. </a:t>
             </a:r>
             <a:endParaRPr lang="en-IN" sz="2400" dirty="0"/>
